--- a/SMMTMM_Analysis_WL/SMMTMM_AnalysisMarch17_WL.pptx
+++ b/SMMTMM_Analysis_WL/SMMTMM_AnalysisMarch17_WL.pptx
@@ -274,7 +274,7 @@
           <a:p>
             <a:fld id="{C4C9B14A-038D-ED49-99A5-B82254BCE116}" type="datetimeFigureOut">
               <a:rPr lang="en-US" smtClean="0"/>
-              <a:t>3/17/22</a:t>
+              <a:t>7/30/22</a:t>
             </a:fld>
             <a:endParaRPr lang="en-US"/>
           </a:p>
@@ -472,7 +472,7 @@
           <a:p>
             <a:fld id="{C4C9B14A-038D-ED49-99A5-B82254BCE116}" type="datetimeFigureOut">
               <a:rPr lang="en-US" smtClean="0"/>
-              <a:t>3/17/22</a:t>
+              <a:t>7/30/22</a:t>
             </a:fld>
             <a:endParaRPr lang="en-US"/>
           </a:p>
@@ -680,7 +680,7 @@
           <a:p>
             <a:fld id="{C4C9B14A-038D-ED49-99A5-B82254BCE116}" type="datetimeFigureOut">
               <a:rPr lang="en-US" smtClean="0"/>
-              <a:t>3/17/22</a:t>
+              <a:t>7/30/22</a:t>
             </a:fld>
             <a:endParaRPr lang="en-US"/>
           </a:p>
@@ -878,7 +878,7 @@
           <a:p>
             <a:fld id="{C4C9B14A-038D-ED49-99A5-B82254BCE116}" type="datetimeFigureOut">
               <a:rPr lang="en-US" smtClean="0"/>
-              <a:t>3/17/22</a:t>
+              <a:t>7/30/22</a:t>
             </a:fld>
             <a:endParaRPr lang="en-US"/>
           </a:p>
@@ -1153,7 +1153,7 @@
           <a:p>
             <a:fld id="{C4C9B14A-038D-ED49-99A5-B82254BCE116}" type="datetimeFigureOut">
               <a:rPr lang="en-US" smtClean="0"/>
-              <a:t>3/17/22</a:t>
+              <a:t>7/30/22</a:t>
             </a:fld>
             <a:endParaRPr lang="en-US"/>
           </a:p>
@@ -1418,7 +1418,7 @@
           <a:p>
             <a:fld id="{C4C9B14A-038D-ED49-99A5-B82254BCE116}" type="datetimeFigureOut">
               <a:rPr lang="en-US" smtClean="0"/>
-              <a:t>3/17/22</a:t>
+              <a:t>7/30/22</a:t>
             </a:fld>
             <a:endParaRPr lang="en-US"/>
           </a:p>
@@ -1830,7 +1830,7 @@
           <a:p>
             <a:fld id="{C4C9B14A-038D-ED49-99A5-B82254BCE116}" type="datetimeFigureOut">
               <a:rPr lang="en-US" smtClean="0"/>
-              <a:t>3/17/22</a:t>
+              <a:t>7/30/22</a:t>
             </a:fld>
             <a:endParaRPr lang="en-US"/>
           </a:p>
@@ -1971,7 +1971,7 @@
           <a:p>
             <a:fld id="{C4C9B14A-038D-ED49-99A5-B82254BCE116}" type="datetimeFigureOut">
               <a:rPr lang="en-US" smtClean="0"/>
-              <a:t>3/17/22</a:t>
+              <a:t>7/30/22</a:t>
             </a:fld>
             <a:endParaRPr lang="en-US"/>
           </a:p>
@@ -2084,7 +2084,7 @@
           <a:p>
             <a:fld id="{C4C9B14A-038D-ED49-99A5-B82254BCE116}" type="datetimeFigureOut">
               <a:rPr lang="en-US" smtClean="0"/>
-              <a:t>3/17/22</a:t>
+              <a:t>7/30/22</a:t>
             </a:fld>
             <a:endParaRPr lang="en-US"/>
           </a:p>
@@ -2395,7 +2395,7 @@
           <a:p>
             <a:fld id="{C4C9B14A-038D-ED49-99A5-B82254BCE116}" type="datetimeFigureOut">
               <a:rPr lang="en-US" smtClean="0"/>
-              <a:t>3/17/22</a:t>
+              <a:t>7/30/22</a:t>
             </a:fld>
             <a:endParaRPr lang="en-US"/>
           </a:p>
@@ -2683,7 +2683,7 @@
           <a:p>
             <a:fld id="{C4C9B14A-038D-ED49-99A5-B82254BCE116}" type="datetimeFigureOut">
               <a:rPr lang="en-US" smtClean="0"/>
-              <a:t>3/17/22</a:t>
+              <a:t>7/30/22</a:t>
             </a:fld>
             <a:endParaRPr lang="en-US"/>
           </a:p>
@@ -2924,7 +2924,7 @@
           <a:p>
             <a:fld id="{C4C9B14A-038D-ED49-99A5-B82254BCE116}" type="datetimeFigureOut">
               <a:rPr lang="en-US" smtClean="0"/>
-              <a:t>3/17/22</a:t>
+              <a:t>7/30/22</a:t>
             </a:fld>
             <a:endParaRPr lang="en-US"/>
           </a:p>
@@ -10769,7 +10769,7 @@
         </p:nvSpPr>
         <p:spPr>
           <a:xfrm>
-            <a:off x="5893310" y="4102799"/>
+            <a:off x="6777943" y="4043216"/>
             <a:ext cx="6059608" cy="584775"/>
           </a:xfrm>
           <a:prstGeom prst="rect">
